--- a/plots/supplementary_material/distributions_combined.pptx
+++ b/plots/supplementary_material/distributions_combined.pptx
@@ -243,7 +243,7 @@
           <a:p>
             <a:fld id="{233421D4-8BC5-964A-874D-0AA85E78EE4C}" type="datetimeFigureOut">
               <a:rPr lang="en-GB" smtClean="0"/>
-              <a:t>14/04/2022</a:t>
+              <a:t>11/05/2022</a:t>
             </a:fld>
             <a:endParaRPr lang="en-GB"/>
           </a:p>
@@ -413,7 +413,7 @@
           <a:p>
             <a:fld id="{233421D4-8BC5-964A-874D-0AA85E78EE4C}" type="datetimeFigureOut">
               <a:rPr lang="en-GB" smtClean="0"/>
-              <a:t>14/04/2022</a:t>
+              <a:t>11/05/2022</a:t>
             </a:fld>
             <a:endParaRPr lang="en-GB"/>
           </a:p>
@@ -593,7 +593,7 @@
           <a:p>
             <a:fld id="{233421D4-8BC5-964A-874D-0AA85E78EE4C}" type="datetimeFigureOut">
               <a:rPr lang="en-GB" smtClean="0"/>
-              <a:t>14/04/2022</a:t>
+              <a:t>11/05/2022</a:t>
             </a:fld>
             <a:endParaRPr lang="en-GB"/>
           </a:p>
@@ -763,7 +763,7 @@
           <a:p>
             <a:fld id="{233421D4-8BC5-964A-874D-0AA85E78EE4C}" type="datetimeFigureOut">
               <a:rPr lang="en-GB" smtClean="0"/>
-              <a:t>14/04/2022</a:t>
+              <a:t>11/05/2022</a:t>
             </a:fld>
             <a:endParaRPr lang="en-GB"/>
           </a:p>
@@ -1007,7 +1007,7 @@
           <a:p>
             <a:fld id="{233421D4-8BC5-964A-874D-0AA85E78EE4C}" type="datetimeFigureOut">
               <a:rPr lang="en-GB" smtClean="0"/>
-              <a:t>14/04/2022</a:t>
+              <a:t>11/05/2022</a:t>
             </a:fld>
             <a:endParaRPr lang="en-GB"/>
           </a:p>
@@ -1239,7 +1239,7 @@
           <a:p>
             <a:fld id="{233421D4-8BC5-964A-874D-0AA85E78EE4C}" type="datetimeFigureOut">
               <a:rPr lang="en-GB" smtClean="0"/>
-              <a:t>14/04/2022</a:t>
+              <a:t>11/05/2022</a:t>
             </a:fld>
             <a:endParaRPr lang="en-GB"/>
           </a:p>
@@ -1606,7 +1606,7 @@
           <a:p>
             <a:fld id="{233421D4-8BC5-964A-874D-0AA85E78EE4C}" type="datetimeFigureOut">
               <a:rPr lang="en-GB" smtClean="0"/>
-              <a:t>14/04/2022</a:t>
+              <a:t>11/05/2022</a:t>
             </a:fld>
             <a:endParaRPr lang="en-GB"/>
           </a:p>
@@ -1724,7 +1724,7 @@
           <a:p>
             <a:fld id="{233421D4-8BC5-964A-874D-0AA85E78EE4C}" type="datetimeFigureOut">
               <a:rPr lang="en-GB" smtClean="0"/>
-              <a:t>14/04/2022</a:t>
+              <a:t>11/05/2022</a:t>
             </a:fld>
             <a:endParaRPr lang="en-GB"/>
           </a:p>
@@ -1819,7 +1819,7 @@
           <a:p>
             <a:fld id="{233421D4-8BC5-964A-874D-0AA85E78EE4C}" type="datetimeFigureOut">
               <a:rPr lang="en-GB" smtClean="0"/>
-              <a:t>14/04/2022</a:t>
+              <a:t>11/05/2022</a:t>
             </a:fld>
             <a:endParaRPr lang="en-GB"/>
           </a:p>
@@ -2096,7 +2096,7 @@
           <a:p>
             <a:fld id="{233421D4-8BC5-964A-874D-0AA85E78EE4C}" type="datetimeFigureOut">
               <a:rPr lang="en-GB" smtClean="0"/>
-              <a:t>14/04/2022</a:t>
+              <a:t>11/05/2022</a:t>
             </a:fld>
             <a:endParaRPr lang="en-GB"/>
           </a:p>
@@ -2353,7 +2353,7 @@
           <a:p>
             <a:fld id="{233421D4-8BC5-964A-874D-0AA85E78EE4C}" type="datetimeFigureOut">
               <a:rPr lang="en-GB" smtClean="0"/>
-              <a:t>14/04/2022</a:t>
+              <a:t>11/05/2022</a:t>
             </a:fld>
             <a:endParaRPr lang="en-GB"/>
           </a:p>
@@ -2566,7 +2566,7 @@
           <a:p>
             <a:fld id="{233421D4-8BC5-964A-874D-0AA85E78EE4C}" type="datetimeFigureOut">
               <a:rPr lang="en-GB" smtClean="0"/>
-              <a:t>14/04/2022</a:t>
+              <a:t>11/05/2022</a:t>
             </a:fld>
             <a:endParaRPr lang="en-GB"/>
           </a:p>
@@ -3156,7 +3156,7 @@
               <a:rPr lang="en-GB" sz="3200" b="1" dirty="0">
                 <a:latin typeface="Helvetica" pitchFamily="2" charset="0"/>
               </a:rPr>
-              <a:t>b</a:t>
+              <a:t>c</a:t>
             </a:r>
           </a:p>
         </p:txBody>

--- a/plots/supplementary_material/distributions_combined.pptx
+++ b/plots/supplementary_material/distributions_combined.pptx
@@ -243,7 +243,7 @@
           <a:p>
             <a:fld id="{233421D4-8BC5-964A-874D-0AA85E78EE4C}" type="datetimeFigureOut">
               <a:rPr lang="en-GB" smtClean="0"/>
-              <a:t>11/05/2022</a:t>
+              <a:t>12/05/2022</a:t>
             </a:fld>
             <a:endParaRPr lang="en-GB"/>
           </a:p>
@@ -413,7 +413,7 @@
           <a:p>
             <a:fld id="{233421D4-8BC5-964A-874D-0AA85E78EE4C}" type="datetimeFigureOut">
               <a:rPr lang="en-GB" smtClean="0"/>
-              <a:t>11/05/2022</a:t>
+              <a:t>12/05/2022</a:t>
             </a:fld>
             <a:endParaRPr lang="en-GB"/>
           </a:p>
@@ -593,7 +593,7 @@
           <a:p>
             <a:fld id="{233421D4-8BC5-964A-874D-0AA85E78EE4C}" type="datetimeFigureOut">
               <a:rPr lang="en-GB" smtClean="0"/>
-              <a:t>11/05/2022</a:t>
+              <a:t>12/05/2022</a:t>
             </a:fld>
             <a:endParaRPr lang="en-GB"/>
           </a:p>
@@ -763,7 +763,7 @@
           <a:p>
             <a:fld id="{233421D4-8BC5-964A-874D-0AA85E78EE4C}" type="datetimeFigureOut">
               <a:rPr lang="en-GB" smtClean="0"/>
-              <a:t>11/05/2022</a:t>
+              <a:t>12/05/2022</a:t>
             </a:fld>
             <a:endParaRPr lang="en-GB"/>
           </a:p>
@@ -1007,7 +1007,7 @@
           <a:p>
             <a:fld id="{233421D4-8BC5-964A-874D-0AA85E78EE4C}" type="datetimeFigureOut">
               <a:rPr lang="en-GB" smtClean="0"/>
-              <a:t>11/05/2022</a:t>
+              <a:t>12/05/2022</a:t>
             </a:fld>
             <a:endParaRPr lang="en-GB"/>
           </a:p>
@@ -1239,7 +1239,7 @@
           <a:p>
             <a:fld id="{233421D4-8BC5-964A-874D-0AA85E78EE4C}" type="datetimeFigureOut">
               <a:rPr lang="en-GB" smtClean="0"/>
-              <a:t>11/05/2022</a:t>
+              <a:t>12/05/2022</a:t>
             </a:fld>
             <a:endParaRPr lang="en-GB"/>
           </a:p>
@@ -1606,7 +1606,7 @@
           <a:p>
             <a:fld id="{233421D4-8BC5-964A-874D-0AA85E78EE4C}" type="datetimeFigureOut">
               <a:rPr lang="en-GB" smtClean="0"/>
-              <a:t>11/05/2022</a:t>
+              <a:t>12/05/2022</a:t>
             </a:fld>
             <a:endParaRPr lang="en-GB"/>
           </a:p>
@@ -1724,7 +1724,7 @@
           <a:p>
             <a:fld id="{233421D4-8BC5-964A-874D-0AA85E78EE4C}" type="datetimeFigureOut">
               <a:rPr lang="en-GB" smtClean="0"/>
-              <a:t>11/05/2022</a:t>
+              <a:t>12/05/2022</a:t>
             </a:fld>
             <a:endParaRPr lang="en-GB"/>
           </a:p>
@@ -1819,7 +1819,7 @@
           <a:p>
             <a:fld id="{233421D4-8BC5-964A-874D-0AA85E78EE4C}" type="datetimeFigureOut">
               <a:rPr lang="en-GB" smtClean="0"/>
-              <a:t>11/05/2022</a:t>
+              <a:t>12/05/2022</a:t>
             </a:fld>
             <a:endParaRPr lang="en-GB"/>
           </a:p>
@@ -2096,7 +2096,7 @@
           <a:p>
             <a:fld id="{233421D4-8BC5-964A-874D-0AA85E78EE4C}" type="datetimeFigureOut">
               <a:rPr lang="en-GB" smtClean="0"/>
-              <a:t>11/05/2022</a:t>
+              <a:t>12/05/2022</a:t>
             </a:fld>
             <a:endParaRPr lang="en-GB"/>
           </a:p>
@@ -2353,7 +2353,7 @@
           <a:p>
             <a:fld id="{233421D4-8BC5-964A-874D-0AA85E78EE4C}" type="datetimeFigureOut">
               <a:rPr lang="en-GB" smtClean="0"/>
-              <a:t>11/05/2022</a:t>
+              <a:t>12/05/2022</a:t>
             </a:fld>
             <a:endParaRPr lang="en-GB"/>
           </a:p>
@@ -2566,7 +2566,7 @@
           <a:p>
             <a:fld id="{233421D4-8BC5-964A-874D-0AA85E78EE4C}" type="datetimeFigureOut">
               <a:rPr lang="en-GB" smtClean="0"/>
-              <a:t>11/05/2022</a:t>
+              <a:t>12/05/2022</a:t>
             </a:fld>
             <a:endParaRPr lang="en-GB"/>
           </a:p>
@@ -2992,7 +2992,7 @@
         </p:blipFill>
         <p:spPr>
           <a:xfrm>
-            <a:off x="6004658" y="0"/>
+            <a:off x="0" y="0"/>
             <a:ext cx="6188929" cy="6081131"/>
           </a:xfrm>
           <a:prstGeom prst="rect">
@@ -3021,7 +3021,7 @@
         </p:blipFill>
         <p:spPr>
           <a:xfrm>
-            <a:off x="0" y="-4040"/>
+            <a:off x="6104093" y="0"/>
             <a:ext cx="6077415" cy="6187245"/>
           </a:xfrm>
           <a:prstGeom prst="rect">
@@ -3050,7 +3050,7 @@
         </p:blipFill>
         <p:spPr>
           <a:xfrm>
-            <a:off x="0" y="6183205"/>
+            <a:off x="52297" y="6114498"/>
             <a:ext cx="6039717" cy="6008795"/>
           </a:xfrm>
           <a:prstGeom prst="rect">
@@ -3079,7 +3079,7 @@
         </p:blipFill>
         <p:spPr>
           <a:xfrm>
-            <a:off x="6092016" y="6110869"/>
+            <a:off x="6092016" y="6078331"/>
             <a:ext cx="6101571" cy="6081131"/>
           </a:xfrm>
           <a:prstGeom prst="rect">
@@ -3138,7 +3138,7 @@
         </p:nvSpPr>
         <p:spPr>
           <a:xfrm>
-            <a:off x="0" y="6078331"/>
+            <a:off x="0" y="6077502"/>
             <a:ext cx="446049" cy="584775"/>
           </a:xfrm>
           <a:prstGeom prst="rect">

--- a/plots/supplementary_material/distributions_combined.pptx
+++ b/plots/supplementary_material/distributions_combined.pptx
@@ -243,7 +243,7 @@
           <a:p>
             <a:fld id="{233421D4-8BC5-964A-874D-0AA85E78EE4C}" type="datetimeFigureOut">
               <a:rPr lang="en-GB" smtClean="0"/>
-              <a:t>12/05/2022</a:t>
+              <a:t>16/05/2022</a:t>
             </a:fld>
             <a:endParaRPr lang="en-GB"/>
           </a:p>
@@ -413,7 +413,7 @@
           <a:p>
             <a:fld id="{233421D4-8BC5-964A-874D-0AA85E78EE4C}" type="datetimeFigureOut">
               <a:rPr lang="en-GB" smtClean="0"/>
-              <a:t>12/05/2022</a:t>
+              <a:t>16/05/2022</a:t>
             </a:fld>
             <a:endParaRPr lang="en-GB"/>
           </a:p>
@@ -593,7 +593,7 @@
           <a:p>
             <a:fld id="{233421D4-8BC5-964A-874D-0AA85E78EE4C}" type="datetimeFigureOut">
               <a:rPr lang="en-GB" smtClean="0"/>
-              <a:t>12/05/2022</a:t>
+              <a:t>16/05/2022</a:t>
             </a:fld>
             <a:endParaRPr lang="en-GB"/>
           </a:p>
@@ -763,7 +763,7 @@
           <a:p>
             <a:fld id="{233421D4-8BC5-964A-874D-0AA85E78EE4C}" type="datetimeFigureOut">
               <a:rPr lang="en-GB" smtClean="0"/>
-              <a:t>12/05/2022</a:t>
+              <a:t>16/05/2022</a:t>
             </a:fld>
             <a:endParaRPr lang="en-GB"/>
           </a:p>
@@ -1007,7 +1007,7 @@
           <a:p>
             <a:fld id="{233421D4-8BC5-964A-874D-0AA85E78EE4C}" type="datetimeFigureOut">
               <a:rPr lang="en-GB" smtClean="0"/>
-              <a:t>12/05/2022</a:t>
+              <a:t>16/05/2022</a:t>
             </a:fld>
             <a:endParaRPr lang="en-GB"/>
           </a:p>
@@ -1239,7 +1239,7 @@
           <a:p>
             <a:fld id="{233421D4-8BC5-964A-874D-0AA85E78EE4C}" type="datetimeFigureOut">
               <a:rPr lang="en-GB" smtClean="0"/>
-              <a:t>12/05/2022</a:t>
+              <a:t>16/05/2022</a:t>
             </a:fld>
             <a:endParaRPr lang="en-GB"/>
           </a:p>
@@ -1606,7 +1606,7 @@
           <a:p>
             <a:fld id="{233421D4-8BC5-964A-874D-0AA85E78EE4C}" type="datetimeFigureOut">
               <a:rPr lang="en-GB" smtClean="0"/>
-              <a:t>12/05/2022</a:t>
+              <a:t>16/05/2022</a:t>
             </a:fld>
             <a:endParaRPr lang="en-GB"/>
           </a:p>
@@ -1724,7 +1724,7 @@
           <a:p>
             <a:fld id="{233421D4-8BC5-964A-874D-0AA85E78EE4C}" type="datetimeFigureOut">
               <a:rPr lang="en-GB" smtClean="0"/>
-              <a:t>12/05/2022</a:t>
+              <a:t>16/05/2022</a:t>
             </a:fld>
             <a:endParaRPr lang="en-GB"/>
           </a:p>
@@ -1819,7 +1819,7 @@
           <a:p>
             <a:fld id="{233421D4-8BC5-964A-874D-0AA85E78EE4C}" type="datetimeFigureOut">
               <a:rPr lang="en-GB" smtClean="0"/>
-              <a:t>12/05/2022</a:t>
+              <a:t>16/05/2022</a:t>
             </a:fld>
             <a:endParaRPr lang="en-GB"/>
           </a:p>
@@ -2096,7 +2096,7 @@
           <a:p>
             <a:fld id="{233421D4-8BC5-964A-874D-0AA85E78EE4C}" type="datetimeFigureOut">
               <a:rPr lang="en-GB" smtClean="0"/>
-              <a:t>12/05/2022</a:t>
+              <a:t>16/05/2022</a:t>
             </a:fld>
             <a:endParaRPr lang="en-GB"/>
           </a:p>
@@ -2353,7 +2353,7 @@
           <a:p>
             <a:fld id="{233421D4-8BC5-964A-874D-0AA85E78EE4C}" type="datetimeFigureOut">
               <a:rPr lang="en-GB" smtClean="0"/>
-              <a:t>12/05/2022</a:t>
+              <a:t>16/05/2022</a:t>
             </a:fld>
             <a:endParaRPr lang="en-GB"/>
           </a:p>
@@ -2566,7 +2566,7 @@
           <a:p>
             <a:fld id="{233421D4-8BC5-964A-874D-0AA85E78EE4C}" type="datetimeFigureOut">
               <a:rPr lang="en-GB" smtClean="0"/>
-              <a:t>12/05/2022</a:t>
+              <a:t>16/05/2022</a:t>
             </a:fld>
             <a:endParaRPr lang="en-GB"/>
           </a:p>
@@ -2973,10 +2973,10 @@
       </p:grpSpPr>
       <p:pic>
         <p:nvPicPr>
-          <p:cNvPr id="7" name="Picture 6">
+          <p:cNvPr id="4" name="Picture 3">
             <a:extLst>
               <a:ext uri="{FF2B5EF4-FFF2-40B4-BE49-F238E27FC236}">
-                <a16:creationId xmlns:a16="http://schemas.microsoft.com/office/drawing/2014/main" id="{C5344F47-9D6A-584C-957E-1375E8B67578}"/>
+                <a16:creationId xmlns:a16="http://schemas.microsoft.com/office/drawing/2014/main" id="{16151D7F-B9C7-C39F-3253-B3971B71A5CB}"/>
               </a:ext>
             </a:extLst>
           </p:cNvPr>
@@ -2985,15 +2985,16 @@
           </p:cNvPicPr>
           <p:nvPr/>
         </p:nvPicPr>
-        <p:blipFill rotWithShape="1">
+        <p:blipFill>
           <a:blip r:embed="rId2"/>
-          <a:srcRect l="4878" t="4661" r="4878" b="6666"/>
-          <a:stretch/>
+          <a:stretch>
+            <a:fillRect/>
+          </a:stretch>
         </p:blipFill>
         <p:spPr>
           <a:xfrm>
-            <a:off x="0" y="0"/>
-            <a:ext cx="6188929" cy="6081131"/>
+            <a:off x="-14601" y="87"/>
+            <a:ext cx="6343563" cy="6343563"/>
           </a:xfrm>
           <a:prstGeom prst="rect">
             <a:avLst/>
@@ -3212,7 +3213,7 @@
         </p:nvSpPr>
         <p:spPr>
           <a:xfrm>
-            <a:off x="6092016" y="-35338"/>
+            <a:off x="5650745" y="-28826"/>
             <a:ext cx="446049" cy="584775"/>
           </a:xfrm>
           <a:prstGeom prst="rect">

--- a/plots/supplementary_material/distributions_combined.pptx
+++ b/plots/supplementary_material/distributions_combined.pptx
@@ -243,7 +243,7 @@
           <a:p>
             <a:fld id="{233421D4-8BC5-964A-874D-0AA85E78EE4C}" type="datetimeFigureOut">
               <a:rPr lang="en-GB" smtClean="0"/>
-              <a:t>16/05/2022</a:t>
+              <a:t>14/12/2022</a:t>
             </a:fld>
             <a:endParaRPr lang="en-GB"/>
           </a:p>
@@ -413,7 +413,7 @@
           <a:p>
             <a:fld id="{233421D4-8BC5-964A-874D-0AA85E78EE4C}" type="datetimeFigureOut">
               <a:rPr lang="en-GB" smtClean="0"/>
-              <a:t>16/05/2022</a:t>
+              <a:t>14/12/2022</a:t>
             </a:fld>
             <a:endParaRPr lang="en-GB"/>
           </a:p>
@@ -593,7 +593,7 @@
           <a:p>
             <a:fld id="{233421D4-8BC5-964A-874D-0AA85E78EE4C}" type="datetimeFigureOut">
               <a:rPr lang="en-GB" smtClean="0"/>
-              <a:t>16/05/2022</a:t>
+              <a:t>14/12/2022</a:t>
             </a:fld>
             <a:endParaRPr lang="en-GB"/>
           </a:p>
@@ -763,7 +763,7 @@
           <a:p>
             <a:fld id="{233421D4-8BC5-964A-874D-0AA85E78EE4C}" type="datetimeFigureOut">
               <a:rPr lang="en-GB" smtClean="0"/>
-              <a:t>16/05/2022</a:t>
+              <a:t>14/12/2022</a:t>
             </a:fld>
             <a:endParaRPr lang="en-GB"/>
           </a:p>
@@ -1007,7 +1007,7 @@
           <a:p>
             <a:fld id="{233421D4-8BC5-964A-874D-0AA85E78EE4C}" type="datetimeFigureOut">
               <a:rPr lang="en-GB" smtClean="0"/>
-              <a:t>16/05/2022</a:t>
+              <a:t>14/12/2022</a:t>
             </a:fld>
             <a:endParaRPr lang="en-GB"/>
           </a:p>
@@ -1239,7 +1239,7 @@
           <a:p>
             <a:fld id="{233421D4-8BC5-964A-874D-0AA85E78EE4C}" type="datetimeFigureOut">
               <a:rPr lang="en-GB" smtClean="0"/>
-              <a:t>16/05/2022</a:t>
+              <a:t>14/12/2022</a:t>
             </a:fld>
             <a:endParaRPr lang="en-GB"/>
           </a:p>
@@ -1606,7 +1606,7 @@
           <a:p>
             <a:fld id="{233421D4-8BC5-964A-874D-0AA85E78EE4C}" type="datetimeFigureOut">
               <a:rPr lang="en-GB" smtClean="0"/>
-              <a:t>16/05/2022</a:t>
+              <a:t>14/12/2022</a:t>
             </a:fld>
             <a:endParaRPr lang="en-GB"/>
           </a:p>
@@ -1724,7 +1724,7 @@
           <a:p>
             <a:fld id="{233421D4-8BC5-964A-874D-0AA85E78EE4C}" type="datetimeFigureOut">
               <a:rPr lang="en-GB" smtClean="0"/>
-              <a:t>16/05/2022</a:t>
+              <a:t>14/12/2022</a:t>
             </a:fld>
             <a:endParaRPr lang="en-GB"/>
           </a:p>
@@ -1819,7 +1819,7 @@
           <a:p>
             <a:fld id="{233421D4-8BC5-964A-874D-0AA85E78EE4C}" type="datetimeFigureOut">
               <a:rPr lang="en-GB" smtClean="0"/>
-              <a:t>16/05/2022</a:t>
+              <a:t>14/12/2022</a:t>
             </a:fld>
             <a:endParaRPr lang="en-GB"/>
           </a:p>
@@ -2096,7 +2096,7 @@
           <a:p>
             <a:fld id="{233421D4-8BC5-964A-874D-0AA85E78EE4C}" type="datetimeFigureOut">
               <a:rPr lang="en-GB" smtClean="0"/>
-              <a:t>16/05/2022</a:t>
+              <a:t>14/12/2022</a:t>
             </a:fld>
             <a:endParaRPr lang="en-GB"/>
           </a:p>
@@ -2353,7 +2353,7 @@
           <a:p>
             <a:fld id="{233421D4-8BC5-964A-874D-0AA85E78EE4C}" type="datetimeFigureOut">
               <a:rPr lang="en-GB" smtClean="0"/>
-              <a:t>16/05/2022</a:t>
+              <a:t>14/12/2022</a:t>
             </a:fld>
             <a:endParaRPr lang="en-GB"/>
           </a:p>
@@ -2566,7 +2566,7 @@
           <a:p>
             <a:fld id="{233421D4-8BC5-964A-874D-0AA85E78EE4C}" type="datetimeFigureOut">
               <a:rPr lang="en-GB" smtClean="0"/>
-              <a:t>16/05/2022</a:t>
+              <a:t>14/12/2022</a:t>
             </a:fld>
             <a:endParaRPr lang="en-GB"/>
           </a:p>
@@ -2973,10 +2973,10 @@
       </p:grpSpPr>
       <p:pic>
         <p:nvPicPr>
-          <p:cNvPr id="4" name="Picture 3">
+          <p:cNvPr id="6" name="Picture 5">
             <a:extLst>
               <a:ext uri="{FF2B5EF4-FFF2-40B4-BE49-F238E27FC236}">
-                <a16:creationId xmlns:a16="http://schemas.microsoft.com/office/drawing/2014/main" id="{16151D7F-B9C7-C39F-3253-B3971B71A5CB}"/>
+                <a16:creationId xmlns:a16="http://schemas.microsoft.com/office/drawing/2014/main" id="{7938031C-9224-5D4C-C097-FC1C55CAF140}"/>
               </a:ext>
             </a:extLst>
           </p:cNvPr>
@@ -2993,8 +2993,8 @@
         </p:blipFill>
         <p:spPr>
           <a:xfrm>
-            <a:off x="-14601" y="87"/>
-            <a:ext cx="6343563" cy="6343563"/>
+            <a:off x="0" y="17685"/>
+            <a:ext cx="6101571" cy="6101571"/>
           </a:xfrm>
           <a:prstGeom prst="rect">
             <a:avLst/>
@@ -3003,10 +3003,10 @@
       </p:pic>
       <p:pic>
         <p:nvPicPr>
-          <p:cNvPr id="8" name="Picture 7">
+          <p:cNvPr id="9" name="Picture 8">
             <a:extLst>
               <a:ext uri="{FF2B5EF4-FFF2-40B4-BE49-F238E27FC236}">
-                <a16:creationId xmlns:a16="http://schemas.microsoft.com/office/drawing/2014/main" id="{C4AA209D-9A57-ABBE-CF64-B6AA6784F62C}"/>
+                <a16:creationId xmlns:a16="http://schemas.microsoft.com/office/drawing/2014/main" id="{2C050DB8-9726-7701-1E03-6E7DC7A3373C}"/>
               </a:ext>
             </a:extLst>
           </p:cNvPr>
@@ -3015,15 +3015,16 @@
           </p:cNvPicPr>
           <p:nvPr/>
         </p:nvPicPr>
-        <p:blipFill rotWithShape="1">
+        <p:blipFill>
           <a:blip r:embed="rId3"/>
-          <a:srcRect l="4878" t="3794" r="4878" b="4331"/>
-          <a:stretch/>
+          <a:stretch>
+            <a:fillRect/>
+          </a:stretch>
         </p:blipFill>
         <p:spPr>
           <a:xfrm>
-            <a:off x="6104093" y="0"/>
-            <a:ext cx="6077415" cy="6187245"/>
+            <a:off x="6077415" y="12927"/>
+            <a:ext cx="6101571" cy="6101571"/>
           </a:xfrm>
           <a:prstGeom prst="rect">
             <a:avLst/>
@@ -3213,7 +3214,7 @@
         </p:nvSpPr>
         <p:spPr>
           <a:xfrm>
-            <a:off x="5650745" y="-28826"/>
+            <a:off x="6315040" y="-2800"/>
             <a:ext cx="446049" cy="584775"/>
           </a:xfrm>
           <a:prstGeom prst="rect">
